--- a/Dashboard Calculations Figures_11.14.23.pptx
+++ b/Dashboard Calculations Figures_11.14.23.pptx
@@ -260,7 +260,7 @@
           <a:p>
             <a:fld id="{280A6B28-1781-4B76-951E-A11F367A329E}" type="datetimeFigureOut">
               <a:rPr lang="en-US" smtClean="0"/>
-              <a:t>11/14/2023</a:t>
+              <a:t>12/13/2023</a:t>
             </a:fld>
             <a:endParaRPr lang="en-US"/>
           </a:p>
@@ -458,7 +458,7 @@
           <a:p>
             <a:fld id="{280A6B28-1781-4B76-951E-A11F367A329E}" type="datetimeFigureOut">
               <a:rPr lang="en-US" smtClean="0"/>
-              <a:t>11/14/2023</a:t>
+              <a:t>12/13/2023</a:t>
             </a:fld>
             <a:endParaRPr lang="en-US"/>
           </a:p>
@@ -666,7 +666,7 @@
           <a:p>
             <a:fld id="{280A6B28-1781-4B76-951E-A11F367A329E}" type="datetimeFigureOut">
               <a:rPr lang="en-US" smtClean="0"/>
-              <a:t>11/14/2023</a:t>
+              <a:t>12/13/2023</a:t>
             </a:fld>
             <a:endParaRPr lang="en-US"/>
           </a:p>
@@ -864,7 +864,7 @@
           <a:p>
             <a:fld id="{280A6B28-1781-4B76-951E-A11F367A329E}" type="datetimeFigureOut">
               <a:rPr lang="en-US" smtClean="0"/>
-              <a:t>11/14/2023</a:t>
+              <a:t>12/13/2023</a:t>
             </a:fld>
             <a:endParaRPr lang="en-US"/>
           </a:p>
@@ -1139,7 +1139,7 @@
           <a:p>
             <a:fld id="{280A6B28-1781-4B76-951E-A11F367A329E}" type="datetimeFigureOut">
               <a:rPr lang="en-US" smtClean="0"/>
-              <a:t>11/14/2023</a:t>
+              <a:t>12/13/2023</a:t>
             </a:fld>
             <a:endParaRPr lang="en-US"/>
           </a:p>
@@ -1404,7 +1404,7 @@
           <a:p>
             <a:fld id="{280A6B28-1781-4B76-951E-A11F367A329E}" type="datetimeFigureOut">
               <a:rPr lang="en-US" smtClean="0"/>
-              <a:t>11/14/2023</a:t>
+              <a:t>12/13/2023</a:t>
             </a:fld>
             <a:endParaRPr lang="en-US"/>
           </a:p>
@@ -1816,7 +1816,7 @@
           <a:p>
             <a:fld id="{280A6B28-1781-4B76-951E-A11F367A329E}" type="datetimeFigureOut">
               <a:rPr lang="en-US" smtClean="0"/>
-              <a:t>11/14/2023</a:t>
+              <a:t>12/13/2023</a:t>
             </a:fld>
             <a:endParaRPr lang="en-US"/>
           </a:p>
@@ -1957,7 +1957,7 @@
           <a:p>
             <a:fld id="{280A6B28-1781-4B76-951E-A11F367A329E}" type="datetimeFigureOut">
               <a:rPr lang="en-US" smtClean="0"/>
-              <a:t>11/14/2023</a:t>
+              <a:t>12/13/2023</a:t>
             </a:fld>
             <a:endParaRPr lang="en-US"/>
           </a:p>
@@ -2070,7 +2070,7 @@
           <a:p>
             <a:fld id="{280A6B28-1781-4B76-951E-A11F367A329E}" type="datetimeFigureOut">
               <a:rPr lang="en-US" smtClean="0"/>
-              <a:t>11/14/2023</a:t>
+              <a:t>12/13/2023</a:t>
             </a:fld>
             <a:endParaRPr lang="en-US"/>
           </a:p>
@@ -2381,7 +2381,7 @@
           <a:p>
             <a:fld id="{280A6B28-1781-4B76-951E-A11F367A329E}" type="datetimeFigureOut">
               <a:rPr lang="en-US" smtClean="0"/>
-              <a:t>11/14/2023</a:t>
+              <a:t>12/13/2023</a:t>
             </a:fld>
             <a:endParaRPr lang="en-US"/>
           </a:p>
@@ -2669,7 +2669,7 @@
           <a:p>
             <a:fld id="{280A6B28-1781-4B76-951E-A11F367A329E}" type="datetimeFigureOut">
               <a:rPr lang="en-US" smtClean="0"/>
-              <a:t>11/14/2023</a:t>
+              <a:t>12/13/2023</a:t>
             </a:fld>
             <a:endParaRPr lang="en-US"/>
           </a:p>
@@ -2910,7 +2910,7 @@
           <a:p>
             <a:fld id="{280A6B28-1781-4B76-951E-A11F367A329E}" type="datetimeFigureOut">
               <a:rPr lang="en-US" smtClean="0"/>
-              <a:t>11/14/2023</a:t>
+              <a:t>12/13/2023</a:t>
             </a:fld>
             <a:endParaRPr lang="en-US"/>
           </a:p>
@@ -4214,7 +4214,7 @@
                   </a:schemeClr>
                 </a:solidFill>
               </a:rPr>
-              <a:t># Patients w/ starting dialysis in that month</a:t>
+              <a:t># Patients starting dialysis that month</a:t>
             </a:r>
           </a:p>
           <a:p>
@@ -4247,7 +4247,7 @@
                   <a:schemeClr val="accent3"/>
                 </a:solidFill>
               </a:rPr>
-              <a:t># Patients w/ starting dialysis in Feb. 2017</a:t>
+              <a:t># Patients starting dialysis in Feb. 2017</a:t>
             </a:r>
           </a:p>
         </p:txBody>
@@ -4351,7 +4351,7 @@
                   </a:schemeClr>
                 </a:solidFill>
               </a:rPr>
-              <a:t># Patients Referred in that month</a:t>
+              <a:t># Patients Referred that month</a:t>
             </a:r>
           </a:p>
           <a:p>
@@ -4496,7 +4496,7 @@
                   </a:schemeClr>
                 </a:solidFill>
               </a:rPr>
-              <a:t># Patients w/ starting dialysis in that month</a:t>
+              <a:t># Patients starting dialysis that month</a:t>
             </a:r>
           </a:p>
           <a:p>
@@ -4529,7 +4529,7 @@
                   <a:schemeClr val="accent3"/>
                 </a:solidFill>
               </a:rPr>
-              <a:t># Patients w/ starting dialysis in Feb. 2017</a:t>
+              <a:t># Patients starting dialysis in Feb. 2017</a:t>
             </a:r>
           </a:p>
         </p:txBody>
@@ -4641,7 +4641,7 @@
                   </a:schemeClr>
                 </a:solidFill>
               </a:rPr>
-              <a:t># Patients w/ Eval start in that month</a:t>
+              <a:t># Patients Eval start that month</a:t>
             </a:r>
           </a:p>
           <a:p>
@@ -4674,7 +4674,7 @@
                   <a:schemeClr val="accent1"/>
                 </a:solidFill>
               </a:rPr>
-              <a:t># Patients w/ Eval start in Feb. 2017</a:t>
+              <a:t># Patients Eval start in Feb. 2017</a:t>
             </a:r>
           </a:p>
         </p:txBody>
@@ -4693,8 +4693,8 @@
         </p:nvSpPr>
         <p:spPr>
           <a:xfrm>
-            <a:off x="4418354" y="3039661"/>
-            <a:ext cx="3288940" cy="3612905"/>
+            <a:off x="4418353" y="3039661"/>
+            <a:ext cx="3355295" cy="3612905"/>
           </a:xfrm>
           <a:prstGeom prst="roundRect">
             <a:avLst>
@@ -4861,7 +4861,7 @@
                   <a:schemeClr val="tx2"/>
                 </a:solidFill>
               </a:rPr>
-              <a:t>Waitlisting in 6 months among</a:t>
+              <a:t>Waitlisting w/in 6 months among</a:t>
             </a:r>
             <a:r>
               <a:rPr lang="en-US" sz="1400" b="1" dirty="0">
@@ -5213,10 +5213,10 @@
       </p:grpSpPr>
       <p:pic>
         <p:nvPicPr>
-          <p:cNvPr id="2" name="Picture 1">
-            <a:extLst>
-              <a:ext uri="{FF2B5EF4-FFF2-40B4-BE49-F238E27FC236}">
-                <a16:creationId xmlns:a16="http://schemas.microsoft.com/office/drawing/2014/main" id="{4C59A8F9-9508-125B-6480-EC08D5634A54}"/>
+          <p:cNvPr id="4" name="Picture 3">
+            <a:extLst>
+              <a:ext uri="{FF2B5EF4-FFF2-40B4-BE49-F238E27FC236}">
+                <a16:creationId xmlns:a16="http://schemas.microsoft.com/office/drawing/2014/main" id="{F123B4FE-C03A-D6C9-AE2F-1C8CFFFF96F9}"/>
               </a:ext>
             </a:extLst>
           </p:cNvPr>
